--- a/Paletização_v1/Descritivo de produto.pptx
+++ b/Paletização_v1/Descritivo de produto.pptx
@@ -10,6 +10,7 @@
     <p:sldId id="261" r:id="rId4"/>
     <p:sldId id="262" r:id="rId5"/>
     <p:sldId id="263" r:id="rId6"/>
+    <p:sldId id="264" r:id="rId7"/>
   </p:sldIdLst>
   <p:sldSz cx="12192000" cy="6858000"/>
   <p:notesSz cx="6858000" cy="9144000"/>
@@ -108,6 +109,11 @@
       </a:defRPr>
     </a:lvl9pPr>
   </p:defaultTextStyle>
+  <p:extLst>
+    <p:ext uri="{EFAFB233-063F-42B5-8137-9DF3F51BA10A}">
+      <p15:sldGuideLst xmlns:p15="http://schemas.microsoft.com/office/powerpoint/2012/main"/>
+    </p:ext>
+  </p:extLst>
 </p:presentation>
 </file>
 
@@ -260,7 +266,7 @@
           <a:p>
             <a:fld id="{828B5DE4-D70E-49D1-A921-9AD7266719D5}" type="datetimeFigureOut">
               <a:rPr lang="pt-BR" smtClean="0"/>
-              <a:t>02/08/2022</a:t>
+              <a:t>04/08/2022</a:t>
             </a:fld>
             <a:endParaRPr lang="pt-BR"/>
           </a:p>
@@ -460,7 +466,7 @@
           <a:p>
             <a:fld id="{828B5DE4-D70E-49D1-A921-9AD7266719D5}" type="datetimeFigureOut">
               <a:rPr lang="pt-BR" smtClean="0"/>
-              <a:t>02/08/2022</a:t>
+              <a:t>04/08/2022</a:t>
             </a:fld>
             <a:endParaRPr lang="pt-BR"/>
           </a:p>
@@ -670,7 +676,7 @@
           <a:p>
             <a:fld id="{828B5DE4-D70E-49D1-A921-9AD7266719D5}" type="datetimeFigureOut">
               <a:rPr lang="pt-BR" smtClean="0"/>
-              <a:t>02/08/2022</a:t>
+              <a:t>04/08/2022</a:t>
             </a:fld>
             <a:endParaRPr lang="pt-BR"/>
           </a:p>
@@ -870,7 +876,7 @@
           <a:p>
             <a:fld id="{828B5DE4-D70E-49D1-A921-9AD7266719D5}" type="datetimeFigureOut">
               <a:rPr lang="pt-BR" smtClean="0"/>
-              <a:t>02/08/2022</a:t>
+              <a:t>04/08/2022</a:t>
             </a:fld>
             <a:endParaRPr lang="pt-BR"/>
           </a:p>
@@ -1146,7 +1152,7 @@
           <a:p>
             <a:fld id="{828B5DE4-D70E-49D1-A921-9AD7266719D5}" type="datetimeFigureOut">
               <a:rPr lang="pt-BR" smtClean="0"/>
-              <a:t>02/08/2022</a:t>
+              <a:t>04/08/2022</a:t>
             </a:fld>
             <a:endParaRPr lang="pt-BR"/>
           </a:p>
@@ -1414,7 +1420,7 @@
           <a:p>
             <a:fld id="{828B5DE4-D70E-49D1-A921-9AD7266719D5}" type="datetimeFigureOut">
               <a:rPr lang="pt-BR" smtClean="0"/>
-              <a:t>02/08/2022</a:t>
+              <a:t>04/08/2022</a:t>
             </a:fld>
             <a:endParaRPr lang="pt-BR"/>
           </a:p>
@@ -1829,7 +1835,7 @@
           <a:p>
             <a:fld id="{828B5DE4-D70E-49D1-A921-9AD7266719D5}" type="datetimeFigureOut">
               <a:rPr lang="pt-BR" smtClean="0"/>
-              <a:t>02/08/2022</a:t>
+              <a:t>04/08/2022</a:t>
             </a:fld>
             <a:endParaRPr lang="pt-BR"/>
           </a:p>
@@ -1971,7 +1977,7 @@
           <a:p>
             <a:fld id="{828B5DE4-D70E-49D1-A921-9AD7266719D5}" type="datetimeFigureOut">
               <a:rPr lang="pt-BR" smtClean="0"/>
-              <a:t>02/08/2022</a:t>
+              <a:t>04/08/2022</a:t>
             </a:fld>
             <a:endParaRPr lang="pt-BR"/>
           </a:p>
@@ -2084,7 +2090,7 @@
           <a:p>
             <a:fld id="{828B5DE4-D70E-49D1-A921-9AD7266719D5}" type="datetimeFigureOut">
               <a:rPr lang="pt-BR" smtClean="0"/>
-              <a:t>02/08/2022</a:t>
+              <a:t>04/08/2022</a:t>
             </a:fld>
             <a:endParaRPr lang="pt-BR"/>
           </a:p>
@@ -2397,7 +2403,7 @@
           <a:p>
             <a:fld id="{828B5DE4-D70E-49D1-A921-9AD7266719D5}" type="datetimeFigureOut">
               <a:rPr lang="pt-BR" smtClean="0"/>
-              <a:t>02/08/2022</a:t>
+              <a:t>04/08/2022</a:t>
             </a:fld>
             <a:endParaRPr lang="pt-BR"/>
           </a:p>
@@ -2686,7 +2692,7 @@
           <a:p>
             <a:fld id="{828B5DE4-D70E-49D1-A921-9AD7266719D5}" type="datetimeFigureOut">
               <a:rPr lang="pt-BR" smtClean="0"/>
-              <a:t>02/08/2022</a:t>
+              <a:t>04/08/2022</a:t>
             </a:fld>
             <a:endParaRPr lang="pt-BR"/>
           </a:p>
@@ -2929,7 +2935,7 @@
           <a:p>
             <a:fld id="{828B5DE4-D70E-49D1-A921-9AD7266719D5}" type="datetimeFigureOut">
               <a:rPr lang="pt-BR" smtClean="0"/>
-              <a:t>02/08/2022</a:t>
+              <a:t>04/08/2022</a:t>
             </a:fld>
             <a:endParaRPr lang="pt-BR"/>
           </a:p>
@@ -5032,7 +5038,7 @@
                 <a:ea typeface="Calibri" panose="020F0502020204030204" pitchFamily="34" charset="0"/>
                 <a:cs typeface="Times New Roman" panose="02020603050405020304" pitchFamily="18" charset="0"/>
               </a:rPr>
-              <a:t> 1</a:t>
+              <a:t> 1A</a:t>
             </a:r>
             <a:endParaRPr lang="pt-BR" b="1" dirty="0"/>
           </a:p>
@@ -5083,7 +5089,7 @@
                 <a:ea typeface="Calibri" panose="020F0502020204030204" pitchFamily="34" charset="0"/>
                 <a:cs typeface="Times New Roman" panose="02020603050405020304" pitchFamily="18" charset="0"/>
               </a:rPr>
-              <a:t> 2</a:t>
+              <a:t> 1B</a:t>
             </a:r>
             <a:endParaRPr lang="pt-BR" b="1" dirty="0"/>
           </a:p>
@@ -7767,7 +7773,7 @@
                     <a:schemeClr val="tx1"/>
                   </a:solidFill>
                 </a:rPr>
-                <a:t>2</a:t>
+                <a:t>4</a:t>
               </a:r>
             </a:p>
           </p:txBody>
@@ -7821,7 +7827,7 @@
                     <a:schemeClr val="tx1"/>
                   </a:solidFill>
                 </a:rPr>
-                <a:t>1</a:t>
+                <a:t>3</a:t>
               </a:r>
             </a:p>
           </p:txBody>
@@ -7875,7 +7881,7 @@
                     <a:schemeClr val="tx1"/>
                   </a:solidFill>
                 </a:rPr>
-                <a:t>3</a:t>
+                <a:t>5</a:t>
               </a:r>
             </a:p>
           </p:txBody>
@@ -7929,7 +7935,7 @@
                     <a:schemeClr val="tx1"/>
                   </a:solidFill>
                 </a:rPr>
-                <a:t>4</a:t>
+                <a:t>6</a:t>
               </a:r>
             </a:p>
           </p:txBody>
@@ -7983,7 +7989,7 @@
                     <a:schemeClr val="tx1"/>
                   </a:solidFill>
                 </a:rPr>
-                <a:t>5</a:t>
+                <a:t>1</a:t>
               </a:r>
             </a:p>
           </p:txBody>
@@ -8037,7 +8043,7 @@
                     <a:schemeClr val="tx1"/>
                   </a:solidFill>
                 </a:rPr>
-                <a:t>6</a:t>
+                <a:t>2</a:t>
               </a:r>
             </a:p>
           </p:txBody>
@@ -8403,7 +8409,7 @@
                 <a:ea typeface="Calibri" panose="020F0502020204030204" pitchFamily="34" charset="0"/>
                 <a:cs typeface="Times New Roman" panose="02020603050405020304" pitchFamily="18" charset="0"/>
               </a:rPr>
-              <a:t> 1</a:t>
+              <a:t> 2A</a:t>
             </a:r>
             <a:endParaRPr lang="pt-BR" b="1" dirty="0"/>
           </a:p>
@@ -8454,7 +8460,7 @@
                 <a:ea typeface="Calibri" panose="020F0502020204030204" pitchFamily="34" charset="0"/>
                 <a:cs typeface="Times New Roman" panose="02020603050405020304" pitchFamily="18" charset="0"/>
               </a:rPr>
-              <a:t> 2</a:t>
+              <a:t> 2B</a:t>
             </a:r>
             <a:endParaRPr lang="pt-BR" b="1" dirty="0"/>
           </a:p>
@@ -11862,7 +11868,7 @@
                 <a:ea typeface="Calibri" panose="020F0502020204030204" pitchFamily="34" charset="0"/>
                 <a:cs typeface="Times New Roman" panose="02020603050405020304" pitchFamily="18" charset="0"/>
               </a:rPr>
-              <a:t> 1</a:t>
+              <a:t> 3A</a:t>
             </a:r>
             <a:endParaRPr lang="pt-BR" b="1" dirty="0"/>
           </a:p>
@@ -11913,7 +11919,7 @@
                 <a:ea typeface="Calibri" panose="020F0502020204030204" pitchFamily="34" charset="0"/>
                 <a:cs typeface="Times New Roman" panose="02020603050405020304" pitchFamily="18" charset="0"/>
               </a:rPr>
-              <a:t> 2</a:t>
+              <a:t> 3B</a:t>
             </a:r>
             <a:endParaRPr lang="pt-BR" b="1" dirty="0"/>
           </a:p>
@@ -16206,7 +16212,7 @@
                 <a:ea typeface="Calibri" panose="020F0502020204030204" pitchFamily="34" charset="0"/>
                 <a:cs typeface="Times New Roman" panose="02020603050405020304" pitchFamily="18" charset="0"/>
               </a:rPr>
-              <a:t> 1</a:t>
+              <a:t> 4A</a:t>
             </a:r>
             <a:endParaRPr lang="pt-BR" b="1" dirty="0"/>
           </a:p>
@@ -16257,7 +16263,7 @@
                 <a:ea typeface="Calibri" panose="020F0502020204030204" pitchFamily="34" charset="0"/>
                 <a:cs typeface="Times New Roman" panose="02020603050405020304" pitchFamily="18" charset="0"/>
               </a:rPr>
-              <a:t> 2</a:t>
+              <a:t> 4B</a:t>
             </a:r>
             <a:endParaRPr lang="pt-BR" b="1" dirty="0"/>
           </a:p>
@@ -19918,6 +19924,471 @@
 </p:sld>
 </file>
 
+<file path=ppt/slides/slide6.xml><?xml version="1.0" encoding="utf-8"?>
+<p:sld xmlns:a="http://schemas.openxmlformats.org/drawingml/2006/main" xmlns:r="http://schemas.openxmlformats.org/officeDocument/2006/relationships" xmlns:p="http://schemas.openxmlformats.org/presentationml/2006/main">
+  <p:cSld>
+    <p:spTree>
+      <p:nvGrpSpPr>
+        <p:cNvPr id="1" name=""/>
+        <p:cNvGrpSpPr/>
+        <p:nvPr/>
+      </p:nvGrpSpPr>
+      <p:grpSpPr>
+        <a:xfrm>
+          <a:off x="0" y="0"/>
+          <a:ext cx="0" cy="0"/>
+          <a:chOff x="0" y="0"/>
+          <a:chExt cx="0" cy="0"/>
+        </a:xfrm>
+      </p:grpSpPr>
+      <p:sp>
+        <p:nvSpPr>
+          <p:cNvPr id="5" name="Rectangle 4">
+            <a:extLst>
+              <a:ext uri="{FF2B5EF4-FFF2-40B4-BE49-F238E27FC236}">
+                <a16:creationId xmlns:a16="http://schemas.microsoft.com/office/drawing/2014/main" id="{E0493087-49A5-A78F-68EB-E7010624BC9F}"/>
+              </a:ext>
+            </a:extLst>
+          </p:cNvPr>
+          <p:cNvSpPr/>
+          <p:nvPr/>
+        </p:nvSpPr>
+        <p:spPr>
+          <a:xfrm>
+            <a:off x="5459845" y="5048850"/>
+            <a:ext cx="2880000" cy="1337187"/>
+          </a:xfrm>
+          <a:prstGeom prst="rect">
+            <a:avLst/>
+          </a:prstGeom>
+          <a:solidFill>
+            <a:schemeClr val="accent2"/>
+          </a:solidFill>
+        </p:spPr>
+        <p:style>
+          <a:lnRef idx="2">
+            <a:schemeClr val="accent1">
+              <a:shade val="50000"/>
+            </a:schemeClr>
+          </a:lnRef>
+          <a:fillRef idx="1">
+            <a:schemeClr val="accent1"/>
+          </a:fillRef>
+          <a:effectRef idx="0">
+            <a:schemeClr val="accent1"/>
+          </a:effectRef>
+          <a:fontRef idx="minor">
+            <a:schemeClr val="lt1"/>
+          </a:fontRef>
+        </p:style>
+        <p:txBody>
+          <a:bodyPr rtlCol="0" anchor="ctr"/>
+          <a:lstStyle/>
+          <a:p>
+            <a:pPr algn="ctr"/>
+            <a:endParaRPr lang="pt-BR"/>
+          </a:p>
+        </p:txBody>
+      </p:sp>
+      <p:sp>
+        <p:nvSpPr>
+          <p:cNvPr id="7" name="Rectangle 6">
+            <a:extLst>
+              <a:ext uri="{FF2B5EF4-FFF2-40B4-BE49-F238E27FC236}">
+                <a16:creationId xmlns:a16="http://schemas.microsoft.com/office/drawing/2014/main" id="{B8310F3F-E90B-A666-0023-4981276CC33E}"/>
+              </a:ext>
+            </a:extLst>
+          </p:cNvPr>
+          <p:cNvSpPr/>
+          <p:nvPr/>
+        </p:nvSpPr>
+        <p:spPr>
+          <a:xfrm>
+            <a:off x="8331330" y="5048851"/>
+            <a:ext cx="2880000" cy="1337187"/>
+          </a:xfrm>
+          <a:prstGeom prst="rect">
+            <a:avLst/>
+          </a:prstGeom>
+          <a:solidFill>
+            <a:schemeClr val="accent4"/>
+          </a:solidFill>
+        </p:spPr>
+        <p:style>
+          <a:lnRef idx="2">
+            <a:schemeClr val="accent1">
+              <a:shade val="50000"/>
+            </a:schemeClr>
+          </a:lnRef>
+          <a:fillRef idx="1">
+            <a:schemeClr val="accent1"/>
+          </a:fillRef>
+          <a:effectRef idx="0">
+            <a:schemeClr val="accent1"/>
+          </a:effectRef>
+          <a:fontRef idx="minor">
+            <a:schemeClr val="lt1"/>
+          </a:fontRef>
+        </p:style>
+        <p:txBody>
+          <a:bodyPr rtlCol="0" anchor="ctr"/>
+          <a:lstStyle/>
+          <a:p>
+            <a:pPr algn="ctr"/>
+            <a:endParaRPr lang="pt-BR"/>
+          </a:p>
+        </p:txBody>
+      </p:sp>
+      <p:cxnSp>
+        <p:nvCxnSpPr>
+          <p:cNvPr id="9" name="Straight Connector 8">
+            <a:extLst>
+              <a:ext uri="{FF2B5EF4-FFF2-40B4-BE49-F238E27FC236}">
+                <a16:creationId xmlns:a16="http://schemas.microsoft.com/office/drawing/2014/main" id="{9E9D8884-DA5B-46CF-ECD2-A603E3A56C57}"/>
+              </a:ext>
+            </a:extLst>
+          </p:cNvPr>
+          <p:cNvCxnSpPr>
+            <a:cxnSpLocks/>
+          </p:cNvCxnSpPr>
+          <p:nvPr/>
+        </p:nvCxnSpPr>
+        <p:spPr>
+          <a:xfrm>
+            <a:off x="9771330" y="4925946"/>
+            <a:ext cx="0" cy="1582998"/>
+          </a:xfrm>
+          <a:prstGeom prst="line">
+            <a:avLst/>
+          </a:prstGeom>
+          <a:ln w="19050">
+            <a:prstDash val="dashDot"/>
+          </a:ln>
+        </p:spPr>
+        <p:style>
+          <a:lnRef idx="1">
+            <a:schemeClr val="accent1"/>
+          </a:lnRef>
+          <a:fillRef idx="0">
+            <a:schemeClr val="accent1"/>
+          </a:fillRef>
+          <a:effectRef idx="0">
+            <a:schemeClr val="accent1"/>
+          </a:effectRef>
+          <a:fontRef idx="minor">
+            <a:schemeClr val="tx1"/>
+          </a:fontRef>
+        </p:style>
+      </p:cxnSp>
+      <p:grpSp>
+        <p:nvGrpSpPr>
+          <p:cNvPr id="11" name="Group 10">
+            <a:extLst>
+              <a:ext uri="{FF2B5EF4-FFF2-40B4-BE49-F238E27FC236}">
+                <a16:creationId xmlns:a16="http://schemas.microsoft.com/office/drawing/2014/main" id="{46BBC439-C9E0-9993-FD3E-043BD85AB026}"/>
+              </a:ext>
+            </a:extLst>
+          </p:cNvPr>
+          <p:cNvGrpSpPr/>
+          <p:nvPr/>
+        </p:nvGrpSpPr>
+        <p:grpSpPr>
+          <a:xfrm>
+            <a:off x="6351332" y="1730454"/>
+            <a:ext cx="3600000" cy="1582998"/>
+            <a:chOff x="7619846" y="2762857"/>
+            <a:chExt cx="3600000" cy="1582998"/>
+          </a:xfrm>
+        </p:grpSpPr>
+        <p:sp>
+          <p:nvSpPr>
+            <p:cNvPr id="4" name="Rectangle 3">
+              <a:extLst>
+                <a:ext uri="{FF2B5EF4-FFF2-40B4-BE49-F238E27FC236}">
+                  <a16:creationId xmlns:a16="http://schemas.microsoft.com/office/drawing/2014/main" id="{98C1B49C-772A-F040-02D9-A647F953E41D}"/>
+                </a:ext>
+              </a:extLst>
+            </p:cNvPr>
+            <p:cNvSpPr/>
+            <p:nvPr/>
+          </p:nvSpPr>
+          <p:spPr>
+            <a:xfrm>
+              <a:off x="7619846" y="2885763"/>
+              <a:ext cx="3600000" cy="1337187"/>
+            </a:xfrm>
+            <a:prstGeom prst="rect">
+              <a:avLst/>
+            </a:prstGeom>
+          </p:spPr>
+          <p:style>
+            <a:lnRef idx="2">
+              <a:schemeClr val="accent1">
+                <a:shade val="50000"/>
+              </a:schemeClr>
+            </a:lnRef>
+            <a:fillRef idx="1">
+              <a:schemeClr val="accent1"/>
+            </a:fillRef>
+            <a:effectRef idx="0">
+              <a:schemeClr val="accent1"/>
+            </a:effectRef>
+            <a:fontRef idx="minor">
+              <a:schemeClr val="lt1"/>
+            </a:fontRef>
+          </p:style>
+          <p:txBody>
+            <a:bodyPr rtlCol="0" anchor="ctr"/>
+            <a:lstStyle/>
+            <a:p>
+              <a:pPr algn="ctr"/>
+              <a:endParaRPr lang="pt-BR"/>
+            </a:p>
+          </p:txBody>
+        </p:sp>
+        <p:cxnSp>
+          <p:nvCxnSpPr>
+            <p:cNvPr id="10" name="Straight Connector 9">
+              <a:extLst>
+                <a:ext uri="{FF2B5EF4-FFF2-40B4-BE49-F238E27FC236}">
+                  <a16:creationId xmlns:a16="http://schemas.microsoft.com/office/drawing/2014/main" id="{66CEDF21-0F28-5D82-8342-370D9F315F6F}"/>
+                </a:ext>
+              </a:extLst>
+            </p:cNvPr>
+            <p:cNvCxnSpPr>
+              <a:cxnSpLocks/>
+            </p:cNvCxnSpPr>
+            <p:nvPr/>
+          </p:nvCxnSpPr>
+          <p:spPr>
+            <a:xfrm>
+              <a:off x="9419846" y="2762857"/>
+              <a:ext cx="0" cy="1582998"/>
+            </a:xfrm>
+            <a:prstGeom prst="line">
+              <a:avLst/>
+            </a:prstGeom>
+            <a:ln w="19050">
+              <a:solidFill>
+                <a:srgbClr val="FF0000"/>
+              </a:solidFill>
+              <a:prstDash val="dashDot"/>
+            </a:ln>
+          </p:spPr>
+          <p:style>
+            <a:lnRef idx="1">
+              <a:schemeClr val="accent1"/>
+            </a:lnRef>
+            <a:fillRef idx="0">
+              <a:schemeClr val="accent1"/>
+            </a:fillRef>
+            <a:effectRef idx="0">
+              <a:schemeClr val="accent1"/>
+            </a:effectRef>
+            <a:fontRef idx="minor">
+              <a:schemeClr val="tx1"/>
+            </a:fontRef>
+          </p:style>
+        </p:cxnSp>
+      </p:grpSp>
+      <p:sp>
+        <p:nvSpPr>
+          <p:cNvPr id="12" name="Rectangle 11">
+            <a:extLst>
+              <a:ext uri="{FF2B5EF4-FFF2-40B4-BE49-F238E27FC236}">
+                <a16:creationId xmlns:a16="http://schemas.microsoft.com/office/drawing/2014/main" id="{82160E95-D523-A24A-9235-57DE63A6E4D5}"/>
+              </a:ext>
+            </a:extLst>
+          </p:cNvPr>
+          <p:cNvSpPr/>
+          <p:nvPr/>
+        </p:nvSpPr>
+        <p:spPr>
+          <a:xfrm>
+            <a:off x="4203255" y="911878"/>
+            <a:ext cx="359997" cy="540774"/>
+          </a:xfrm>
+          <a:prstGeom prst="rect">
+            <a:avLst/>
+          </a:prstGeom>
+        </p:spPr>
+        <p:style>
+          <a:lnRef idx="2">
+            <a:schemeClr val="accent1">
+              <a:shade val="50000"/>
+            </a:schemeClr>
+          </a:lnRef>
+          <a:fillRef idx="1">
+            <a:schemeClr val="accent1"/>
+          </a:fillRef>
+          <a:effectRef idx="0">
+            <a:schemeClr val="accent1"/>
+          </a:effectRef>
+          <a:fontRef idx="minor">
+            <a:schemeClr val="lt1"/>
+          </a:fontRef>
+        </p:style>
+        <p:txBody>
+          <a:bodyPr rtlCol="0" anchor="ctr"/>
+          <a:lstStyle/>
+          <a:p>
+            <a:pPr algn="ctr"/>
+            <a:endParaRPr lang="pt-BR"/>
+          </a:p>
+        </p:txBody>
+      </p:sp>
+      <p:sp>
+        <p:nvSpPr>
+          <p:cNvPr id="13" name="Rectangle 12">
+            <a:extLst>
+              <a:ext uri="{FF2B5EF4-FFF2-40B4-BE49-F238E27FC236}">
+                <a16:creationId xmlns:a16="http://schemas.microsoft.com/office/drawing/2014/main" id="{FD0B598F-6E45-1313-353A-982DF2334594}"/>
+              </a:ext>
+            </a:extLst>
+          </p:cNvPr>
+          <p:cNvSpPr/>
+          <p:nvPr/>
+        </p:nvSpPr>
+        <p:spPr>
+          <a:xfrm>
+            <a:off x="5631332" y="3303609"/>
+            <a:ext cx="4320000" cy="1337187"/>
+          </a:xfrm>
+          <a:prstGeom prst="rect">
+            <a:avLst/>
+          </a:prstGeom>
+          <a:solidFill>
+            <a:schemeClr val="accent4"/>
+          </a:solidFill>
+        </p:spPr>
+        <p:style>
+          <a:lnRef idx="2">
+            <a:schemeClr val="accent1">
+              <a:shade val="50000"/>
+            </a:schemeClr>
+          </a:lnRef>
+          <a:fillRef idx="1">
+            <a:schemeClr val="accent1"/>
+          </a:fillRef>
+          <a:effectRef idx="0">
+            <a:schemeClr val="accent1"/>
+          </a:effectRef>
+          <a:fontRef idx="minor">
+            <a:schemeClr val="lt1"/>
+          </a:fontRef>
+        </p:style>
+        <p:txBody>
+          <a:bodyPr rtlCol="0" anchor="ctr"/>
+          <a:lstStyle/>
+          <a:p>
+            <a:pPr algn="ctr"/>
+            <a:endParaRPr lang="pt-BR"/>
+          </a:p>
+        </p:txBody>
+      </p:sp>
+      <p:sp>
+        <p:nvSpPr>
+          <p:cNvPr id="14" name="Rectangle 13">
+            <a:extLst>
+              <a:ext uri="{FF2B5EF4-FFF2-40B4-BE49-F238E27FC236}">
+                <a16:creationId xmlns:a16="http://schemas.microsoft.com/office/drawing/2014/main" id="{BC832ED5-59E5-4268-9CF1-C17CDE9FD866}"/>
+              </a:ext>
+            </a:extLst>
+          </p:cNvPr>
+          <p:cNvSpPr/>
+          <p:nvPr/>
+        </p:nvSpPr>
+        <p:spPr>
+          <a:xfrm>
+            <a:off x="1311332" y="3303609"/>
+            <a:ext cx="4320000" cy="1337187"/>
+          </a:xfrm>
+          <a:prstGeom prst="rect">
+            <a:avLst/>
+          </a:prstGeom>
+          <a:solidFill>
+            <a:schemeClr val="accent2"/>
+          </a:solidFill>
+        </p:spPr>
+        <p:style>
+          <a:lnRef idx="2">
+            <a:schemeClr val="accent1">
+              <a:shade val="50000"/>
+            </a:schemeClr>
+          </a:lnRef>
+          <a:fillRef idx="1">
+            <a:schemeClr val="accent1"/>
+          </a:fillRef>
+          <a:effectRef idx="0">
+            <a:schemeClr val="accent1"/>
+          </a:effectRef>
+          <a:fontRef idx="minor">
+            <a:schemeClr val="lt1"/>
+          </a:fontRef>
+        </p:style>
+        <p:txBody>
+          <a:bodyPr rtlCol="0" anchor="ctr"/>
+          <a:lstStyle/>
+          <a:p>
+            <a:pPr algn="ctr"/>
+            <a:endParaRPr lang="pt-BR"/>
+          </a:p>
+        </p:txBody>
+      </p:sp>
+      <p:cxnSp>
+        <p:nvCxnSpPr>
+          <p:cNvPr id="15" name="Straight Connector 14">
+            <a:extLst>
+              <a:ext uri="{FF2B5EF4-FFF2-40B4-BE49-F238E27FC236}">
+                <a16:creationId xmlns:a16="http://schemas.microsoft.com/office/drawing/2014/main" id="{E540CB07-50C3-CD61-1304-119EE1597665}"/>
+              </a:ext>
+            </a:extLst>
+          </p:cNvPr>
+          <p:cNvCxnSpPr>
+            <a:cxnSpLocks/>
+          </p:cNvCxnSpPr>
+          <p:nvPr/>
+        </p:nvCxnSpPr>
+        <p:spPr>
+          <a:xfrm>
+            <a:off x="7791332" y="3313452"/>
+            <a:ext cx="0" cy="1582998"/>
+          </a:xfrm>
+          <a:prstGeom prst="line">
+            <a:avLst/>
+          </a:prstGeom>
+          <a:ln w="19050">
+            <a:prstDash val="dashDot"/>
+          </a:ln>
+        </p:spPr>
+        <p:style>
+          <a:lnRef idx="1">
+            <a:schemeClr val="accent1"/>
+          </a:lnRef>
+          <a:fillRef idx="0">
+            <a:schemeClr val="accent1"/>
+          </a:fillRef>
+          <a:effectRef idx="0">
+            <a:schemeClr val="accent1"/>
+          </a:effectRef>
+          <a:fontRef idx="minor">
+            <a:schemeClr val="tx1"/>
+          </a:fontRef>
+        </p:style>
+      </p:cxnSp>
+    </p:spTree>
+    <p:extLst>
+      <p:ext uri="{BB962C8B-B14F-4D97-AF65-F5344CB8AC3E}">
+        <p14:creationId xmlns:p14="http://schemas.microsoft.com/office/powerpoint/2010/main" val="280824716"/>
+      </p:ext>
+    </p:extLst>
+  </p:cSld>
+  <p:clrMapOvr>
+    <a:masterClrMapping/>
+  </p:clrMapOvr>
+</p:sld>
+</file>
+
 <file path=ppt/theme/theme1.xml><?xml version="1.0" encoding="utf-8"?>
 <a:theme xmlns:a="http://schemas.openxmlformats.org/drawingml/2006/main" name="Office Theme">
   <a:themeElements>

--- a/Paletização_v1/Descritivo de produto.pptx
+++ b/Paletização_v1/Descritivo de produto.pptx
@@ -266,7 +266,7 @@
           <a:p>
             <a:fld id="{828B5DE4-D70E-49D1-A921-9AD7266719D5}" type="datetimeFigureOut">
               <a:rPr lang="pt-BR" smtClean="0"/>
-              <a:t>04/08/2022</a:t>
+              <a:t>05/08/2022</a:t>
             </a:fld>
             <a:endParaRPr lang="pt-BR"/>
           </a:p>
@@ -466,7 +466,7 @@
           <a:p>
             <a:fld id="{828B5DE4-D70E-49D1-A921-9AD7266719D5}" type="datetimeFigureOut">
               <a:rPr lang="pt-BR" smtClean="0"/>
-              <a:t>04/08/2022</a:t>
+              <a:t>05/08/2022</a:t>
             </a:fld>
             <a:endParaRPr lang="pt-BR"/>
           </a:p>
@@ -676,7 +676,7 @@
           <a:p>
             <a:fld id="{828B5DE4-D70E-49D1-A921-9AD7266719D5}" type="datetimeFigureOut">
               <a:rPr lang="pt-BR" smtClean="0"/>
-              <a:t>04/08/2022</a:t>
+              <a:t>05/08/2022</a:t>
             </a:fld>
             <a:endParaRPr lang="pt-BR"/>
           </a:p>
@@ -876,7 +876,7 @@
           <a:p>
             <a:fld id="{828B5DE4-D70E-49D1-A921-9AD7266719D5}" type="datetimeFigureOut">
               <a:rPr lang="pt-BR" smtClean="0"/>
-              <a:t>04/08/2022</a:t>
+              <a:t>05/08/2022</a:t>
             </a:fld>
             <a:endParaRPr lang="pt-BR"/>
           </a:p>
@@ -1152,7 +1152,7 @@
           <a:p>
             <a:fld id="{828B5DE4-D70E-49D1-A921-9AD7266719D5}" type="datetimeFigureOut">
               <a:rPr lang="pt-BR" smtClean="0"/>
-              <a:t>04/08/2022</a:t>
+              <a:t>05/08/2022</a:t>
             </a:fld>
             <a:endParaRPr lang="pt-BR"/>
           </a:p>
@@ -1420,7 +1420,7 @@
           <a:p>
             <a:fld id="{828B5DE4-D70E-49D1-A921-9AD7266719D5}" type="datetimeFigureOut">
               <a:rPr lang="pt-BR" smtClean="0"/>
-              <a:t>04/08/2022</a:t>
+              <a:t>05/08/2022</a:t>
             </a:fld>
             <a:endParaRPr lang="pt-BR"/>
           </a:p>
@@ -1835,7 +1835,7 @@
           <a:p>
             <a:fld id="{828B5DE4-D70E-49D1-A921-9AD7266719D5}" type="datetimeFigureOut">
               <a:rPr lang="pt-BR" smtClean="0"/>
-              <a:t>04/08/2022</a:t>
+              <a:t>05/08/2022</a:t>
             </a:fld>
             <a:endParaRPr lang="pt-BR"/>
           </a:p>
@@ -1977,7 +1977,7 @@
           <a:p>
             <a:fld id="{828B5DE4-D70E-49D1-A921-9AD7266719D5}" type="datetimeFigureOut">
               <a:rPr lang="pt-BR" smtClean="0"/>
-              <a:t>04/08/2022</a:t>
+              <a:t>05/08/2022</a:t>
             </a:fld>
             <a:endParaRPr lang="pt-BR"/>
           </a:p>
@@ -2090,7 +2090,7 @@
           <a:p>
             <a:fld id="{828B5DE4-D70E-49D1-A921-9AD7266719D5}" type="datetimeFigureOut">
               <a:rPr lang="pt-BR" smtClean="0"/>
-              <a:t>04/08/2022</a:t>
+              <a:t>05/08/2022</a:t>
             </a:fld>
             <a:endParaRPr lang="pt-BR"/>
           </a:p>
@@ -2403,7 +2403,7 @@
           <a:p>
             <a:fld id="{828B5DE4-D70E-49D1-A921-9AD7266719D5}" type="datetimeFigureOut">
               <a:rPr lang="pt-BR" smtClean="0"/>
-              <a:t>04/08/2022</a:t>
+              <a:t>05/08/2022</a:t>
             </a:fld>
             <a:endParaRPr lang="pt-BR"/>
           </a:p>
@@ -2692,7 +2692,7 @@
           <a:p>
             <a:fld id="{828B5DE4-D70E-49D1-A921-9AD7266719D5}" type="datetimeFigureOut">
               <a:rPr lang="pt-BR" smtClean="0"/>
-              <a:t>04/08/2022</a:t>
+              <a:t>05/08/2022</a:t>
             </a:fld>
             <a:endParaRPr lang="pt-BR"/>
           </a:p>
@@ -2935,7 +2935,7 @@
           <a:p>
             <a:fld id="{828B5DE4-D70E-49D1-A921-9AD7266719D5}" type="datetimeFigureOut">
               <a:rPr lang="pt-BR" smtClean="0"/>
-              <a:t>04/08/2022</a:t>
+              <a:t>05/08/2022</a:t>
             </a:fld>
             <a:endParaRPr lang="pt-BR"/>
           </a:p>
@@ -5038,7 +5038,7 @@
                 <a:ea typeface="Calibri" panose="020F0502020204030204" pitchFamily="34" charset="0"/>
                 <a:cs typeface="Times New Roman" panose="02020603050405020304" pitchFamily="18" charset="0"/>
               </a:rPr>
-              <a:t> 1A</a:t>
+              <a:t> 11</a:t>
             </a:r>
             <a:endParaRPr lang="pt-BR" b="1" dirty="0"/>
           </a:p>
@@ -5089,7 +5089,7 @@
                 <a:ea typeface="Calibri" panose="020F0502020204030204" pitchFamily="34" charset="0"/>
                 <a:cs typeface="Times New Roman" panose="02020603050405020304" pitchFamily="18" charset="0"/>
               </a:rPr>
-              <a:t> 1B</a:t>
+              <a:t> 12</a:t>
             </a:r>
             <a:endParaRPr lang="pt-BR" b="1" dirty="0"/>
           </a:p>
@@ -8409,7 +8409,7 @@
                 <a:ea typeface="Calibri" panose="020F0502020204030204" pitchFamily="34" charset="0"/>
                 <a:cs typeface="Times New Roman" panose="02020603050405020304" pitchFamily="18" charset="0"/>
               </a:rPr>
-              <a:t> 2A</a:t>
+              <a:t> 21</a:t>
             </a:r>
             <a:endParaRPr lang="pt-BR" b="1" dirty="0"/>
           </a:p>
@@ -8460,7 +8460,7 @@
                 <a:ea typeface="Calibri" panose="020F0502020204030204" pitchFamily="34" charset="0"/>
                 <a:cs typeface="Times New Roman" panose="02020603050405020304" pitchFamily="18" charset="0"/>
               </a:rPr>
-              <a:t> 2B</a:t>
+              <a:t> 22</a:t>
             </a:r>
             <a:endParaRPr lang="pt-BR" b="1" dirty="0"/>
           </a:p>
@@ -11868,7 +11868,7 @@
                 <a:ea typeface="Calibri" panose="020F0502020204030204" pitchFamily="34" charset="0"/>
                 <a:cs typeface="Times New Roman" panose="02020603050405020304" pitchFamily="18" charset="0"/>
               </a:rPr>
-              <a:t> 3A</a:t>
+              <a:t> 31</a:t>
             </a:r>
             <a:endParaRPr lang="pt-BR" b="1" dirty="0"/>
           </a:p>
@@ -11919,7 +11919,7 @@
                 <a:ea typeface="Calibri" panose="020F0502020204030204" pitchFamily="34" charset="0"/>
                 <a:cs typeface="Times New Roman" panose="02020603050405020304" pitchFamily="18" charset="0"/>
               </a:rPr>
-              <a:t> 3B</a:t>
+              <a:t> 32</a:t>
             </a:r>
             <a:endParaRPr lang="pt-BR" b="1" dirty="0"/>
           </a:p>
@@ -16212,7 +16212,7 @@
                 <a:ea typeface="Calibri" panose="020F0502020204030204" pitchFamily="34" charset="0"/>
                 <a:cs typeface="Times New Roman" panose="02020603050405020304" pitchFamily="18" charset="0"/>
               </a:rPr>
-              <a:t> 4A</a:t>
+              <a:t> 41</a:t>
             </a:r>
             <a:endParaRPr lang="pt-BR" b="1" dirty="0"/>
           </a:p>
@@ -16263,7 +16263,7 @@
                 <a:ea typeface="Calibri" panose="020F0502020204030204" pitchFamily="34" charset="0"/>
                 <a:cs typeface="Times New Roman" panose="02020603050405020304" pitchFamily="18" charset="0"/>
               </a:rPr>
-              <a:t> 4B</a:t>
+              <a:t> 42</a:t>
             </a:r>
             <a:endParaRPr lang="pt-BR" b="1" dirty="0"/>
           </a:p>
